--- a/doc/Funktionsablauf_node.pptx
+++ b/doc/Funktionsablauf_node.pptx
@@ -7,6 +7,7 @@
   <p:sldIdLst>
     <p:sldId id="256" r:id="rId2"/>
     <p:sldId id="257" r:id="rId3"/>
+    <p:sldId id="258" r:id="rId4"/>
   </p:sldIdLst>
   <p:sldSz cx="9144000" cy="6858000" type="screen4x3"/>
   <p:notesSz cx="6858000" cy="9144000"/>
@@ -289,7 +290,7 @@
           <a:p>
             <a:fld id="{6930AEF9-B900-4D7A-8DAD-A4B12618F938}" type="datetimeFigureOut">
               <a:rPr lang="de-DE" smtClean="0"/>
-              <a:t>22.03.2014</a:t>
+              <a:t>23.03.2014</a:t>
             </a:fld>
             <a:endParaRPr lang="de-DE"/>
           </a:p>
@@ -459,7 +460,7 @@
           <a:p>
             <a:fld id="{6930AEF9-B900-4D7A-8DAD-A4B12618F938}" type="datetimeFigureOut">
               <a:rPr lang="de-DE" smtClean="0"/>
-              <a:t>22.03.2014</a:t>
+              <a:t>23.03.2014</a:t>
             </a:fld>
             <a:endParaRPr lang="de-DE"/>
           </a:p>
@@ -639,7 +640,7 @@
           <a:p>
             <a:fld id="{6930AEF9-B900-4D7A-8DAD-A4B12618F938}" type="datetimeFigureOut">
               <a:rPr lang="de-DE" smtClean="0"/>
-              <a:t>22.03.2014</a:t>
+              <a:t>23.03.2014</a:t>
             </a:fld>
             <a:endParaRPr lang="de-DE"/>
           </a:p>
@@ -809,7 +810,7 @@
           <a:p>
             <a:fld id="{6930AEF9-B900-4D7A-8DAD-A4B12618F938}" type="datetimeFigureOut">
               <a:rPr lang="de-DE" smtClean="0"/>
-              <a:t>22.03.2014</a:t>
+              <a:t>23.03.2014</a:t>
             </a:fld>
             <a:endParaRPr lang="de-DE"/>
           </a:p>
@@ -1055,7 +1056,7 @@
           <a:p>
             <a:fld id="{6930AEF9-B900-4D7A-8DAD-A4B12618F938}" type="datetimeFigureOut">
               <a:rPr lang="de-DE" smtClean="0"/>
-              <a:t>22.03.2014</a:t>
+              <a:t>23.03.2014</a:t>
             </a:fld>
             <a:endParaRPr lang="de-DE"/>
           </a:p>
@@ -1343,7 +1344,7 @@
           <a:p>
             <a:fld id="{6930AEF9-B900-4D7A-8DAD-A4B12618F938}" type="datetimeFigureOut">
               <a:rPr lang="de-DE" smtClean="0"/>
-              <a:t>22.03.2014</a:t>
+              <a:t>23.03.2014</a:t>
             </a:fld>
             <a:endParaRPr lang="de-DE"/>
           </a:p>
@@ -1765,7 +1766,7 @@
           <a:p>
             <a:fld id="{6930AEF9-B900-4D7A-8DAD-A4B12618F938}" type="datetimeFigureOut">
               <a:rPr lang="de-DE" smtClean="0"/>
-              <a:t>22.03.2014</a:t>
+              <a:t>23.03.2014</a:t>
             </a:fld>
             <a:endParaRPr lang="de-DE"/>
           </a:p>
@@ -1883,7 +1884,7 @@
           <a:p>
             <a:fld id="{6930AEF9-B900-4D7A-8DAD-A4B12618F938}" type="datetimeFigureOut">
               <a:rPr lang="de-DE" smtClean="0"/>
-              <a:t>22.03.2014</a:t>
+              <a:t>23.03.2014</a:t>
             </a:fld>
             <a:endParaRPr lang="de-DE"/>
           </a:p>
@@ -1978,7 +1979,7 @@
           <a:p>
             <a:fld id="{6930AEF9-B900-4D7A-8DAD-A4B12618F938}" type="datetimeFigureOut">
               <a:rPr lang="de-DE" smtClean="0"/>
-              <a:t>22.03.2014</a:t>
+              <a:t>23.03.2014</a:t>
             </a:fld>
             <a:endParaRPr lang="de-DE"/>
           </a:p>
@@ -2255,7 +2256,7 @@
           <a:p>
             <a:fld id="{6930AEF9-B900-4D7A-8DAD-A4B12618F938}" type="datetimeFigureOut">
               <a:rPr lang="de-DE" smtClean="0"/>
-              <a:t>22.03.2014</a:t>
+              <a:t>23.03.2014</a:t>
             </a:fld>
             <a:endParaRPr lang="de-DE"/>
           </a:p>
@@ -2508,7 +2509,7 @@
           <a:p>
             <a:fld id="{6930AEF9-B900-4D7A-8DAD-A4B12618F938}" type="datetimeFigureOut">
               <a:rPr lang="de-DE" smtClean="0"/>
-              <a:t>22.03.2014</a:t>
+              <a:t>23.03.2014</a:t>
             </a:fld>
             <a:endParaRPr lang="de-DE"/>
           </a:p>
@@ -2721,7 +2722,7 @@
           <a:p>
             <a:fld id="{6930AEF9-B900-4D7A-8DAD-A4B12618F938}" type="datetimeFigureOut">
               <a:rPr lang="de-DE" smtClean="0"/>
-              <a:t>22.03.2014</a:t>
+              <a:t>23.03.2014</a:t>
             </a:fld>
             <a:endParaRPr lang="de-DE"/>
           </a:p>
@@ -3637,6 +3638,1390 @@
     <p:extLst>
       <p:ext uri="{BB962C8B-B14F-4D97-AF65-F5344CB8AC3E}">
         <p14:creationId xmlns:p14="http://schemas.microsoft.com/office/powerpoint/2010/main" val="2660597179"/>
+      </p:ext>
+    </p:extLst>
+  </p:cSld>
+  <p:clrMapOvr>
+    <a:masterClrMapping/>
+  </p:clrMapOvr>
+</p:sld>
+</file>
+
+<file path=ppt/slides/slide3.xml><?xml version="1.0" encoding="utf-8"?>
+<p:sld xmlns:a="http://schemas.openxmlformats.org/drawingml/2006/main" xmlns:r="http://schemas.openxmlformats.org/officeDocument/2006/relationships" xmlns:p="http://schemas.openxmlformats.org/presentationml/2006/main">
+  <p:cSld>
+    <p:spTree>
+      <p:nvGrpSpPr>
+        <p:cNvPr id="1" name=""/>
+        <p:cNvGrpSpPr/>
+        <p:nvPr/>
+      </p:nvGrpSpPr>
+      <p:grpSpPr>
+        <a:xfrm>
+          <a:off x="0" y="0"/>
+          <a:ext cx="0" cy="0"/>
+          <a:chOff x="0" y="0"/>
+          <a:chExt cx="0" cy="0"/>
+        </a:xfrm>
+      </p:grpSpPr>
+      <p:sp>
+        <p:nvSpPr>
+          <p:cNvPr id="2" name="Titel 1"/>
+          <p:cNvSpPr>
+            <a:spLocks noGrp="1"/>
+          </p:cNvSpPr>
+          <p:nvPr>
+            <p:ph type="title"/>
+          </p:nvPr>
+        </p:nvSpPr>
+        <p:spPr>
+          <a:xfrm>
+            <a:off x="457200" y="274638"/>
+            <a:ext cx="8229600" cy="418058"/>
+          </a:xfrm>
+        </p:spPr>
+        <p:txBody>
+          <a:bodyPr>
+            <a:normAutofit fontScale="90000"/>
+          </a:bodyPr>
+          <a:lstStyle/>
+          <a:p>
+            <a:r>
+              <a:rPr lang="de-DE" sz="2800" dirty="0" smtClean="0"/>
+              <a:t>Funktionsablauf im </a:t>
+            </a:r>
+            <a:r>
+              <a:rPr lang="de-DE" sz="2800" dirty="0" err="1" smtClean="0"/>
+              <a:t>Node</a:t>
+            </a:r>
+            <a:endParaRPr lang="de-DE" sz="2800" dirty="0"/>
+          </a:p>
+        </p:txBody>
+      </p:sp>
+      <p:sp>
+        <p:nvSpPr>
+          <p:cNvPr id="12" name="Abgerundetes Rechteck 11"/>
+          <p:cNvSpPr/>
+          <p:nvPr/>
+        </p:nvSpPr>
+        <p:spPr>
+          <a:xfrm>
+            <a:off x="737575" y="2260160"/>
+            <a:ext cx="1656184" cy="288032"/>
+          </a:xfrm>
+          <a:prstGeom prst="roundRect">
+            <a:avLst/>
+          </a:prstGeom>
+          <a:solidFill>
+            <a:schemeClr val="bg1"/>
+          </a:solidFill>
+          <a:ln>
+            <a:solidFill>
+              <a:schemeClr val="tx1"/>
+            </a:solidFill>
+          </a:ln>
+        </p:spPr>
+        <p:style>
+          <a:lnRef idx="2">
+            <a:schemeClr val="accent1">
+              <a:shade val="50000"/>
+            </a:schemeClr>
+          </a:lnRef>
+          <a:fillRef idx="1">
+            <a:schemeClr val="accent1"/>
+          </a:fillRef>
+          <a:effectRef idx="0">
+            <a:schemeClr val="accent1"/>
+          </a:effectRef>
+          <a:fontRef idx="minor">
+            <a:schemeClr val="lt1"/>
+          </a:fontRef>
+        </p:style>
+        <p:txBody>
+          <a:bodyPr rtlCol="0" anchor="ctr"/>
+          <a:lstStyle/>
+          <a:p>
+            <a:pPr algn="ctr"/>
+            <a:r>
+              <a:rPr lang="de-DE" sz="1200" dirty="0" smtClean="0">
+                <a:solidFill>
+                  <a:schemeClr val="tx1">
+                    <a:lumMod val="95000"/>
+                    <a:lumOff val="5000"/>
+                  </a:schemeClr>
+                </a:solidFill>
+              </a:rPr>
+              <a:t>Start der Anmeldung</a:t>
+            </a:r>
+            <a:endParaRPr lang="de-DE" sz="1200" dirty="0">
+              <a:solidFill>
+                <a:schemeClr val="tx1">
+                  <a:lumMod val="95000"/>
+                  <a:lumOff val="5000"/>
+                </a:schemeClr>
+              </a:solidFill>
+            </a:endParaRPr>
+          </a:p>
+        </p:txBody>
+      </p:sp>
+      <p:sp>
+        <p:nvSpPr>
+          <p:cNvPr id="13" name="Textfeld 12"/>
+          <p:cNvSpPr txBox="1"/>
+          <p:nvPr/>
+        </p:nvSpPr>
+        <p:spPr>
+          <a:xfrm>
+            <a:off x="2843808" y="980728"/>
+            <a:ext cx="2234907" cy="369332"/>
+          </a:xfrm>
+          <a:prstGeom prst="rect">
+            <a:avLst/>
+          </a:prstGeom>
+          <a:noFill/>
+        </p:spPr>
+        <p:txBody>
+          <a:bodyPr wrap="none" rtlCol="0">
+            <a:spAutoFit/>
+          </a:bodyPr>
+          <a:lstStyle/>
+          <a:p>
+            <a:r>
+              <a:rPr lang="de-DE" dirty="0" smtClean="0"/>
+              <a:t>Anmeldung beim Hub</a:t>
+            </a:r>
+            <a:endParaRPr lang="de-DE" dirty="0"/>
+          </a:p>
+        </p:txBody>
+      </p:sp>
+      <p:sp>
+        <p:nvSpPr>
+          <p:cNvPr id="16" name="Rechteck 15"/>
+          <p:cNvSpPr/>
+          <p:nvPr/>
+        </p:nvSpPr>
+        <p:spPr>
+          <a:xfrm>
+            <a:off x="737574" y="2858737"/>
+            <a:ext cx="1656184" cy="360040"/>
+          </a:xfrm>
+          <a:prstGeom prst="rect">
+            <a:avLst/>
+          </a:prstGeom>
+          <a:solidFill>
+            <a:schemeClr val="bg1"/>
+          </a:solidFill>
+          <a:ln>
+            <a:solidFill>
+              <a:schemeClr val="tx1"/>
+            </a:solidFill>
+          </a:ln>
+        </p:spPr>
+        <p:style>
+          <a:lnRef idx="2">
+            <a:schemeClr val="accent1">
+              <a:shade val="50000"/>
+            </a:schemeClr>
+          </a:lnRef>
+          <a:fillRef idx="1">
+            <a:schemeClr val="accent1"/>
+          </a:fillRef>
+          <a:effectRef idx="0">
+            <a:schemeClr val="accent1"/>
+          </a:effectRef>
+          <a:fontRef idx="minor">
+            <a:schemeClr val="lt1"/>
+          </a:fontRef>
+        </p:style>
+        <p:txBody>
+          <a:bodyPr rtlCol="0" anchor="ctr"/>
+          <a:lstStyle/>
+          <a:p>
+            <a:pPr algn="ctr"/>
+            <a:r>
+              <a:rPr lang="de-DE" sz="1200" dirty="0" smtClean="0">
+                <a:solidFill>
+                  <a:schemeClr val="tx1"/>
+                </a:solidFill>
+              </a:rPr>
+              <a:t>Anmeldeschleife</a:t>
+            </a:r>
+            <a:endParaRPr lang="de-DE" sz="1200" dirty="0">
+              <a:solidFill>
+                <a:schemeClr val="tx1"/>
+              </a:solidFill>
+            </a:endParaRPr>
+          </a:p>
+        </p:txBody>
+      </p:sp>
+      <p:sp>
+        <p:nvSpPr>
+          <p:cNvPr id="3" name="Raute 2"/>
+          <p:cNvSpPr/>
+          <p:nvPr/>
+        </p:nvSpPr>
+        <p:spPr>
+          <a:xfrm>
+            <a:off x="683568" y="3479792"/>
+            <a:ext cx="1764196" cy="782626"/>
+          </a:xfrm>
+          <a:prstGeom prst="diamond">
+            <a:avLst/>
+          </a:prstGeom>
+          <a:solidFill>
+            <a:schemeClr val="bg1"/>
+          </a:solidFill>
+          <a:ln>
+            <a:solidFill>
+              <a:schemeClr val="tx1"/>
+            </a:solidFill>
+          </a:ln>
+        </p:spPr>
+        <p:style>
+          <a:lnRef idx="2">
+            <a:schemeClr val="accent1">
+              <a:shade val="50000"/>
+            </a:schemeClr>
+          </a:lnRef>
+          <a:fillRef idx="1">
+            <a:schemeClr val="accent1"/>
+          </a:fillRef>
+          <a:effectRef idx="0">
+            <a:schemeClr val="accent1"/>
+          </a:effectRef>
+          <a:fontRef idx="minor">
+            <a:schemeClr val="lt1"/>
+          </a:fontRef>
+        </p:style>
+        <p:txBody>
+          <a:bodyPr rtlCol="0" anchor="ctr"/>
+          <a:lstStyle/>
+          <a:p>
+            <a:pPr algn="ctr"/>
+            <a:r>
+              <a:rPr lang="de-DE" sz="800" dirty="0" err="1" smtClean="0">
+                <a:solidFill>
+                  <a:schemeClr val="tx1"/>
+                </a:solidFill>
+              </a:rPr>
+              <a:t>Init</a:t>
+            </a:r>
+            <a:r>
+              <a:rPr lang="de-DE" sz="800" dirty="0" smtClean="0">
+                <a:solidFill>
+                  <a:schemeClr val="tx1"/>
+                </a:solidFill>
+              </a:rPr>
+              <a:t> abgeschlossen?</a:t>
+            </a:r>
+            <a:endParaRPr lang="de-DE" sz="800" dirty="0">
+              <a:solidFill>
+                <a:schemeClr val="tx1"/>
+              </a:solidFill>
+            </a:endParaRPr>
+          </a:p>
+        </p:txBody>
+      </p:sp>
+      <p:cxnSp>
+        <p:nvCxnSpPr>
+          <p:cNvPr id="18" name="Gerade Verbindung mit Pfeil 17"/>
+          <p:cNvCxnSpPr>
+            <a:stCxn id="12" idx="2"/>
+            <a:endCxn id="16" idx="0"/>
+          </p:cNvCxnSpPr>
+          <p:nvPr/>
+        </p:nvCxnSpPr>
+        <p:spPr>
+          <a:xfrm flipH="1">
+            <a:off x="1565666" y="2548192"/>
+            <a:ext cx="1" cy="310545"/>
+          </a:xfrm>
+          <a:prstGeom prst="straightConnector1">
+            <a:avLst/>
+          </a:prstGeom>
+          <a:ln w="28575">
+            <a:solidFill>
+              <a:schemeClr val="tx1"/>
+            </a:solidFill>
+            <a:tailEnd type="arrow"/>
+          </a:ln>
+        </p:spPr>
+        <p:style>
+          <a:lnRef idx="1">
+            <a:schemeClr val="accent1"/>
+          </a:lnRef>
+          <a:fillRef idx="0">
+            <a:schemeClr val="accent1"/>
+          </a:fillRef>
+          <a:effectRef idx="0">
+            <a:schemeClr val="accent1"/>
+          </a:effectRef>
+          <a:fontRef idx="minor">
+            <a:schemeClr val="tx1"/>
+          </a:fontRef>
+        </p:style>
+      </p:cxnSp>
+      <p:cxnSp>
+        <p:nvCxnSpPr>
+          <p:cNvPr id="20" name="Gerade Verbindung mit Pfeil 19"/>
+          <p:cNvCxnSpPr>
+            <a:stCxn id="16" idx="2"/>
+            <a:endCxn id="3" idx="0"/>
+          </p:cNvCxnSpPr>
+          <p:nvPr/>
+        </p:nvCxnSpPr>
+        <p:spPr>
+          <a:xfrm>
+            <a:off x="1565666" y="3218777"/>
+            <a:ext cx="0" cy="261015"/>
+          </a:xfrm>
+          <a:prstGeom prst="straightConnector1">
+            <a:avLst/>
+          </a:prstGeom>
+          <a:ln w="28575">
+            <a:solidFill>
+              <a:schemeClr val="tx1"/>
+            </a:solidFill>
+            <a:tailEnd type="arrow"/>
+          </a:ln>
+        </p:spPr>
+        <p:style>
+          <a:lnRef idx="1">
+            <a:schemeClr val="accent1"/>
+          </a:lnRef>
+          <a:fillRef idx="0">
+            <a:schemeClr val="accent1"/>
+          </a:fillRef>
+          <a:effectRef idx="0">
+            <a:schemeClr val="accent1"/>
+          </a:effectRef>
+          <a:fontRef idx="minor">
+            <a:schemeClr val="tx1"/>
+          </a:fontRef>
+        </p:style>
+      </p:cxnSp>
+      <p:cxnSp>
+        <p:nvCxnSpPr>
+          <p:cNvPr id="28" name="Gewinkelte Verbindung 27"/>
+          <p:cNvCxnSpPr>
+            <a:stCxn id="3" idx="3"/>
+            <a:endCxn id="16" idx="3"/>
+          </p:cNvCxnSpPr>
+          <p:nvPr/>
+        </p:nvCxnSpPr>
+        <p:spPr>
+          <a:xfrm flipH="1" flipV="1">
+            <a:off x="2393758" y="3038757"/>
+            <a:ext cx="54006" cy="832348"/>
+          </a:xfrm>
+          <a:prstGeom prst="bentConnector3">
+            <a:avLst>
+              <a:gd name="adj1" fmla="val -423286"/>
+            </a:avLst>
+          </a:prstGeom>
+          <a:ln w="28575">
+            <a:solidFill>
+              <a:schemeClr val="tx1"/>
+            </a:solidFill>
+            <a:tailEnd type="arrow"/>
+          </a:ln>
+        </p:spPr>
+        <p:style>
+          <a:lnRef idx="1">
+            <a:schemeClr val="accent1"/>
+          </a:lnRef>
+          <a:fillRef idx="0">
+            <a:schemeClr val="accent1"/>
+          </a:fillRef>
+          <a:effectRef idx="0">
+            <a:schemeClr val="accent1"/>
+          </a:effectRef>
+          <a:fontRef idx="minor">
+            <a:schemeClr val="tx1"/>
+          </a:fontRef>
+        </p:style>
+      </p:cxnSp>
+      <p:sp>
+        <p:nvSpPr>
+          <p:cNvPr id="31" name="Abgerundetes Rechteck 30"/>
+          <p:cNvSpPr/>
+          <p:nvPr/>
+        </p:nvSpPr>
+        <p:spPr>
+          <a:xfrm>
+            <a:off x="737574" y="4658052"/>
+            <a:ext cx="1656184" cy="288032"/>
+          </a:xfrm>
+          <a:prstGeom prst="roundRect">
+            <a:avLst/>
+          </a:prstGeom>
+          <a:solidFill>
+            <a:schemeClr val="bg1"/>
+          </a:solidFill>
+          <a:ln>
+            <a:solidFill>
+              <a:schemeClr val="tx1"/>
+            </a:solidFill>
+          </a:ln>
+        </p:spPr>
+        <p:style>
+          <a:lnRef idx="2">
+            <a:schemeClr val="accent1">
+              <a:shade val="50000"/>
+            </a:schemeClr>
+          </a:lnRef>
+          <a:fillRef idx="1">
+            <a:schemeClr val="accent1"/>
+          </a:fillRef>
+          <a:effectRef idx="0">
+            <a:schemeClr val="accent1"/>
+          </a:effectRef>
+          <a:fontRef idx="minor">
+            <a:schemeClr val="lt1"/>
+          </a:fontRef>
+        </p:style>
+        <p:txBody>
+          <a:bodyPr rtlCol="0" anchor="ctr"/>
+          <a:lstStyle/>
+          <a:p>
+            <a:pPr algn="ctr"/>
+            <a:r>
+              <a:rPr lang="de-DE" sz="1200" dirty="0" smtClean="0">
+                <a:solidFill>
+                  <a:schemeClr val="tx1">
+                    <a:lumMod val="95000"/>
+                    <a:lumOff val="5000"/>
+                  </a:schemeClr>
+                </a:solidFill>
+              </a:rPr>
+              <a:t>Ende der Anmeldung</a:t>
+            </a:r>
+            <a:endParaRPr lang="de-DE" sz="1200" dirty="0">
+              <a:solidFill>
+                <a:schemeClr val="tx1">
+                  <a:lumMod val="95000"/>
+                  <a:lumOff val="5000"/>
+                </a:schemeClr>
+              </a:solidFill>
+            </a:endParaRPr>
+          </a:p>
+        </p:txBody>
+      </p:sp>
+      <p:cxnSp>
+        <p:nvCxnSpPr>
+          <p:cNvPr id="32" name="Gerade Verbindung mit Pfeil 31"/>
+          <p:cNvCxnSpPr>
+            <a:stCxn id="3" idx="2"/>
+            <a:endCxn id="31" idx="0"/>
+          </p:cNvCxnSpPr>
+          <p:nvPr/>
+        </p:nvCxnSpPr>
+        <p:spPr>
+          <a:xfrm>
+            <a:off x="1565666" y="4262418"/>
+            <a:ext cx="0" cy="395634"/>
+          </a:xfrm>
+          <a:prstGeom prst="straightConnector1">
+            <a:avLst/>
+          </a:prstGeom>
+          <a:ln w="28575">
+            <a:solidFill>
+              <a:schemeClr val="tx1"/>
+            </a:solidFill>
+            <a:tailEnd type="arrow"/>
+          </a:ln>
+        </p:spPr>
+        <p:style>
+          <a:lnRef idx="1">
+            <a:schemeClr val="accent1"/>
+          </a:lnRef>
+          <a:fillRef idx="0">
+            <a:schemeClr val="accent1"/>
+          </a:fillRef>
+          <a:effectRef idx="0">
+            <a:schemeClr val="accent1"/>
+          </a:effectRef>
+          <a:fontRef idx="minor">
+            <a:schemeClr val="tx1"/>
+          </a:fontRef>
+        </p:style>
+      </p:cxnSp>
+      <p:sp>
+        <p:nvSpPr>
+          <p:cNvPr id="7" name="Textfeld 6"/>
+          <p:cNvSpPr txBox="1"/>
+          <p:nvPr/>
+        </p:nvSpPr>
+        <p:spPr>
+          <a:xfrm>
+            <a:off x="2263258" y="3871105"/>
+            <a:ext cx="369012" cy="215444"/>
+          </a:xfrm>
+          <a:prstGeom prst="rect">
+            <a:avLst/>
+          </a:prstGeom>
+          <a:noFill/>
+        </p:spPr>
+        <p:txBody>
+          <a:bodyPr wrap="none" rtlCol="0">
+            <a:spAutoFit/>
+          </a:bodyPr>
+          <a:lstStyle/>
+          <a:p>
+            <a:r>
+              <a:rPr lang="de-DE" sz="800" dirty="0" smtClean="0"/>
+              <a:t>nein</a:t>
+            </a:r>
+            <a:endParaRPr lang="de-DE" sz="800" dirty="0"/>
+          </a:p>
+        </p:txBody>
+      </p:sp>
+      <p:sp>
+        <p:nvSpPr>
+          <p:cNvPr id="22" name="Textfeld 21"/>
+          <p:cNvSpPr txBox="1"/>
+          <p:nvPr/>
+        </p:nvSpPr>
+        <p:spPr>
+          <a:xfrm>
+            <a:off x="1538692" y="4220293"/>
+            <a:ext cx="258404" cy="215444"/>
+          </a:xfrm>
+          <a:prstGeom prst="rect">
+            <a:avLst/>
+          </a:prstGeom>
+          <a:noFill/>
+        </p:spPr>
+        <p:txBody>
+          <a:bodyPr wrap="none" rtlCol="0">
+            <a:spAutoFit/>
+          </a:bodyPr>
+          <a:lstStyle/>
+          <a:p>
+            <a:r>
+              <a:rPr lang="de-DE" sz="800" dirty="0" smtClean="0"/>
+              <a:t>ja</a:t>
+            </a:r>
+            <a:endParaRPr lang="de-DE" sz="800" dirty="0"/>
+          </a:p>
+        </p:txBody>
+      </p:sp>
+      <p:sp>
+        <p:nvSpPr>
+          <p:cNvPr id="24" name="Abgerundetes Rechteck 23"/>
+          <p:cNvSpPr/>
+          <p:nvPr/>
+        </p:nvSpPr>
+        <p:spPr>
+          <a:xfrm>
+            <a:off x="3563888" y="1622725"/>
+            <a:ext cx="1656184" cy="288032"/>
+          </a:xfrm>
+          <a:prstGeom prst="roundRect">
+            <a:avLst/>
+          </a:prstGeom>
+          <a:solidFill>
+            <a:schemeClr val="bg1"/>
+          </a:solidFill>
+          <a:ln>
+            <a:solidFill>
+              <a:schemeClr val="tx1"/>
+            </a:solidFill>
+          </a:ln>
+        </p:spPr>
+        <p:style>
+          <a:lnRef idx="2">
+            <a:schemeClr val="accent1">
+              <a:shade val="50000"/>
+            </a:schemeClr>
+          </a:lnRef>
+          <a:fillRef idx="1">
+            <a:schemeClr val="accent1"/>
+          </a:fillRef>
+          <a:effectRef idx="0">
+            <a:schemeClr val="accent1"/>
+          </a:effectRef>
+          <a:fontRef idx="minor">
+            <a:schemeClr val="lt1"/>
+          </a:fontRef>
+        </p:style>
+        <p:txBody>
+          <a:bodyPr rtlCol="0" anchor="ctr"/>
+          <a:lstStyle/>
+          <a:p>
+            <a:pPr algn="ctr"/>
+            <a:r>
+              <a:rPr lang="de-DE" sz="1200" dirty="0" smtClean="0">
+                <a:solidFill>
+                  <a:schemeClr val="tx1">
+                    <a:lumMod val="95000"/>
+                    <a:lumOff val="5000"/>
+                  </a:schemeClr>
+                </a:solidFill>
+              </a:rPr>
+              <a:t>Anmeldeschleife</a:t>
+            </a:r>
+            <a:endParaRPr lang="de-DE" sz="1200" dirty="0">
+              <a:solidFill>
+                <a:schemeClr val="tx1">
+                  <a:lumMod val="95000"/>
+                  <a:lumOff val="5000"/>
+                </a:schemeClr>
+              </a:solidFill>
+            </a:endParaRPr>
+          </a:p>
+        </p:txBody>
+      </p:sp>
+      <p:sp>
+        <p:nvSpPr>
+          <p:cNvPr id="25" name="Rechteck 24"/>
+          <p:cNvSpPr/>
+          <p:nvPr/>
+        </p:nvSpPr>
+        <p:spPr>
+          <a:xfrm>
+            <a:off x="3563888" y="2135109"/>
+            <a:ext cx="1656184" cy="360040"/>
+          </a:xfrm>
+          <a:prstGeom prst="rect">
+            <a:avLst/>
+          </a:prstGeom>
+          <a:solidFill>
+            <a:schemeClr val="bg1"/>
+          </a:solidFill>
+          <a:ln>
+            <a:solidFill>
+              <a:schemeClr val="tx1"/>
+            </a:solidFill>
+          </a:ln>
+        </p:spPr>
+        <p:style>
+          <a:lnRef idx="2">
+            <a:schemeClr val="accent1">
+              <a:shade val="50000"/>
+            </a:schemeClr>
+          </a:lnRef>
+          <a:fillRef idx="1">
+            <a:schemeClr val="accent1"/>
+          </a:fillRef>
+          <a:effectRef idx="0">
+            <a:schemeClr val="accent1"/>
+          </a:effectRef>
+          <a:fontRef idx="minor">
+            <a:schemeClr val="lt1"/>
+          </a:fontRef>
+        </p:style>
+        <p:txBody>
+          <a:bodyPr rtlCol="0" anchor="ctr"/>
+          <a:lstStyle/>
+          <a:p>
+            <a:pPr algn="ctr"/>
+            <a:r>
+              <a:rPr lang="de-DE" sz="1200" dirty="0" smtClean="0">
+                <a:solidFill>
+                  <a:schemeClr val="tx1"/>
+                </a:solidFill>
+              </a:rPr>
+              <a:t>Message auf Channel 119 senden</a:t>
+            </a:r>
+            <a:endParaRPr lang="de-DE" sz="1200" dirty="0">
+              <a:solidFill>
+                <a:schemeClr val="tx1"/>
+              </a:solidFill>
+            </a:endParaRPr>
+          </a:p>
+        </p:txBody>
+      </p:sp>
+      <p:sp>
+        <p:nvSpPr>
+          <p:cNvPr id="26" name="Rechteck 25"/>
+          <p:cNvSpPr/>
+          <p:nvPr/>
+        </p:nvSpPr>
+        <p:spPr>
+          <a:xfrm>
+            <a:off x="3563888" y="2703464"/>
+            <a:ext cx="1656184" cy="629543"/>
+          </a:xfrm>
+          <a:prstGeom prst="rect">
+            <a:avLst/>
+          </a:prstGeom>
+          <a:solidFill>
+            <a:schemeClr val="bg1"/>
+          </a:solidFill>
+          <a:ln>
+            <a:solidFill>
+              <a:schemeClr val="tx1"/>
+            </a:solidFill>
+          </a:ln>
+        </p:spPr>
+        <p:style>
+          <a:lnRef idx="2">
+            <a:schemeClr val="accent1">
+              <a:shade val="50000"/>
+            </a:schemeClr>
+          </a:lnRef>
+          <a:fillRef idx="1">
+            <a:schemeClr val="accent1"/>
+          </a:fillRef>
+          <a:effectRef idx="0">
+            <a:schemeClr val="accent1"/>
+          </a:effectRef>
+          <a:fontRef idx="minor">
+            <a:schemeClr val="lt1"/>
+          </a:fontRef>
+        </p:style>
+        <p:txBody>
+          <a:bodyPr rtlCol="0" anchor="ctr"/>
+          <a:lstStyle/>
+          <a:p>
+            <a:pPr algn="ctr"/>
+            <a:r>
+              <a:rPr lang="de-DE" sz="1200" dirty="0" smtClean="0">
+                <a:solidFill>
+                  <a:schemeClr val="tx1"/>
+                </a:solidFill>
+              </a:rPr>
+              <a:t>Message vom Hub auf Channel 111</a:t>
+            </a:r>
+          </a:p>
+          <a:p>
+            <a:pPr algn="ctr"/>
+            <a:r>
+              <a:rPr lang="de-DE" sz="1200" dirty="0" smtClean="0">
+                <a:solidFill>
+                  <a:schemeClr val="tx1"/>
+                </a:solidFill>
+                <a:sym typeface="Wingdings" panose="05000000000000000000" pitchFamily="2" charset="2"/>
+              </a:rPr>
+              <a:t> </a:t>
+            </a:r>
+            <a:r>
+              <a:rPr lang="de-DE" sz="1200" dirty="0" err="1" smtClean="0">
+                <a:solidFill>
+                  <a:schemeClr val="tx1"/>
+                </a:solidFill>
+                <a:sym typeface="Wingdings" panose="05000000000000000000" pitchFamily="2" charset="2"/>
+              </a:rPr>
+              <a:t>Sleeptime</a:t>
+            </a:r>
+            <a:r>
+              <a:rPr lang="de-DE" sz="1200" dirty="0" smtClean="0">
+                <a:solidFill>
+                  <a:schemeClr val="tx1"/>
+                </a:solidFill>
+                <a:sym typeface="Wingdings" panose="05000000000000000000" pitchFamily="2" charset="2"/>
+              </a:rPr>
+              <a:t> im </a:t>
+            </a:r>
+            <a:r>
+              <a:rPr lang="de-DE" sz="1200" dirty="0" err="1" smtClean="0">
+                <a:solidFill>
+                  <a:schemeClr val="tx1"/>
+                </a:solidFill>
+                <a:sym typeface="Wingdings" panose="05000000000000000000" pitchFamily="2" charset="2"/>
+              </a:rPr>
+              <a:t>msec</a:t>
+            </a:r>
+            <a:r>
+              <a:rPr lang="de-DE" sz="1200" dirty="0" smtClean="0">
+                <a:solidFill>
+                  <a:schemeClr val="tx1"/>
+                </a:solidFill>
+                <a:sym typeface="Wingdings" panose="05000000000000000000" pitchFamily="2" charset="2"/>
+              </a:rPr>
+              <a:t>.</a:t>
+            </a:r>
+            <a:endParaRPr lang="de-DE" sz="1200" dirty="0">
+              <a:solidFill>
+                <a:schemeClr val="tx1"/>
+              </a:solidFill>
+            </a:endParaRPr>
+          </a:p>
+        </p:txBody>
+      </p:sp>
+      <p:sp>
+        <p:nvSpPr>
+          <p:cNvPr id="27" name="Rechteck 26"/>
+          <p:cNvSpPr/>
+          <p:nvPr/>
+        </p:nvSpPr>
+        <p:spPr>
+          <a:xfrm>
+            <a:off x="3563888" y="3526706"/>
+            <a:ext cx="1656184" cy="629543"/>
+          </a:xfrm>
+          <a:prstGeom prst="rect">
+            <a:avLst/>
+          </a:prstGeom>
+          <a:solidFill>
+            <a:schemeClr val="bg1"/>
+          </a:solidFill>
+          <a:ln>
+            <a:solidFill>
+              <a:schemeClr val="tx1"/>
+            </a:solidFill>
+          </a:ln>
+        </p:spPr>
+        <p:style>
+          <a:lnRef idx="2">
+            <a:schemeClr val="accent1">
+              <a:shade val="50000"/>
+            </a:schemeClr>
+          </a:lnRef>
+          <a:fillRef idx="1">
+            <a:schemeClr val="accent1"/>
+          </a:fillRef>
+          <a:effectRef idx="0">
+            <a:schemeClr val="accent1"/>
+          </a:effectRef>
+          <a:fontRef idx="minor">
+            <a:schemeClr val="lt1"/>
+          </a:fontRef>
+        </p:style>
+        <p:txBody>
+          <a:bodyPr rtlCol="0" anchor="ctr"/>
+          <a:lstStyle/>
+          <a:p>
+            <a:pPr algn="ctr"/>
+            <a:r>
+              <a:rPr lang="de-DE" sz="1200" dirty="0" smtClean="0">
+                <a:solidFill>
+                  <a:schemeClr val="tx1"/>
+                </a:solidFill>
+              </a:rPr>
+              <a:t>Message vom Hub auf Channel 112</a:t>
+            </a:r>
+          </a:p>
+          <a:p>
+            <a:pPr algn="ctr"/>
+            <a:r>
+              <a:rPr lang="de-DE" sz="1200" dirty="0" smtClean="0">
+                <a:solidFill>
+                  <a:schemeClr val="tx1"/>
+                </a:solidFill>
+                <a:sym typeface="Wingdings" panose="05000000000000000000" pitchFamily="2" charset="2"/>
+              </a:rPr>
+              <a:t> Radiomode</a:t>
+            </a:r>
+            <a:endParaRPr lang="de-DE" sz="1200" dirty="0">
+              <a:solidFill>
+                <a:schemeClr val="tx1"/>
+              </a:solidFill>
+            </a:endParaRPr>
+          </a:p>
+        </p:txBody>
+      </p:sp>
+      <p:sp>
+        <p:nvSpPr>
+          <p:cNvPr id="29" name="Rechteck 28"/>
+          <p:cNvSpPr/>
+          <p:nvPr/>
+        </p:nvSpPr>
+        <p:spPr>
+          <a:xfrm>
+            <a:off x="3563888" y="5307267"/>
+            <a:ext cx="1656184" cy="629543"/>
+          </a:xfrm>
+          <a:prstGeom prst="rect">
+            <a:avLst/>
+          </a:prstGeom>
+          <a:solidFill>
+            <a:schemeClr val="bg1"/>
+          </a:solidFill>
+          <a:ln>
+            <a:solidFill>
+              <a:schemeClr val="tx1"/>
+            </a:solidFill>
+          </a:ln>
+        </p:spPr>
+        <p:style>
+          <a:lnRef idx="2">
+            <a:schemeClr val="accent1">
+              <a:shade val="50000"/>
+            </a:schemeClr>
+          </a:lnRef>
+          <a:fillRef idx="1">
+            <a:schemeClr val="accent1"/>
+          </a:fillRef>
+          <a:effectRef idx="0">
+            <a:schemeClr val="accent1"/>
+          </a:effectRef>
+          <a:fontRef idx="minor">
+            <a:schemeClr val="lt1"/>
+          </a:fontRef>
+        </p:style>
+        <p:txBody>
+          <a:bodyPr rtlCol="0" anchor="ctr"/>
+          <a:lstStyle/>
+          <a:p>
+            <a:pPr algn="ctr"/>
+            <a:r>
+              <a:rPr lang="de-DE" sz="1200" dirty="0" smtClean="0">
+                <a:solidFill>
+                  <a:schemeClr val="tx1"/>
+                </a:solidFill>
+              </a:rPr>
+              <a:t>Message vom Hub auf Channel 119</a:t>
+            </a:r>
+          </a:p>
+          <a:p>
+            <a:pPr algn="ctr"/>
+            <a:r>
+              <a:rPr lang="de-DE" sz="1200" dirty="0" smtClean="0">
+                <a:solidFill>
+                  <a:schemeClr val="tx1"/>
+                </a:solidFill>
+                <a:sym typeface="Wingdings" panose="05000000000000000000" pitchFamily="2" charset="2"/>
+              </a:rPr>
+              <a:t> Hub fertig</a:t>
+            </a:r>
+            <a:endParaRPr lang="de-DE" sz="1200" dirty="0">
+              <a:solidFill>
+                <a:schemeClr val="tx1"/>
+              </a:solidFill>
+            </a:endParaRPr>
+          </a:p>
+        </p:txBody>
+      </p:sp>
+      <p:sp>
+        <p:nvSpPr>
+          <p:cNvPr id="30" name="Abgerundetes Rechteck 29"/>
+          <p:cNvSpPr/>
+          <p:nvPr/>
+        </p:nvSpPr>
+        <p:spPr>
+          <a:xfrm>
+            <a:off x="3563888" y="6158063"/>
+            <a:ext cx="1656184" cy="288032"/>
+          </a:xfrm>
+          <a:prstGeom prst="roundRect">
+            <a:avLst/>
+          </a:prstGeom>
+          <a:solidFill>
+            <a:schemeClr val="bg1"/>
+          </a:solidFill>
+          <a:ln>
+            <a:solidFill>
+              <a:schemeClr val="tx1"/>
+            </a:solidFill>
+          </a:ln>
+        </p:spPr>
+        <p:style>
+          <a:lnRef idx="2">
+            <a:schemeClr val="accent1">
+              <a:shade val="50000"/>
+            </a:schemeClr>
+          </a:lnRef>
+          <a:fillRef idx="1">
+            <a:schemeClr val="accent1"/>
+          </a:fillRef>
+          <a:effectRef idx="0">
+            <a:schemeClr val="accent1"/>
+          </a:effectRef>
+          <a:fontRef idx="minor">
+            <a:schemeClr val="lt1"/>
+          </a:fontRef>
+        </p:style>
+        <p:txBody>
+          <a:bodyPr rtlCol="0" anchor="ctr"/>
+          <a:lstStyle/>
+          <a:p>
+            <a:pPr algn="ctr"/>
+            <a:r>
+              <a:rPr lang="de-DE" sz="1200" dirty="0" smtClean="0">
+                <a:solidFill>
+                  <a:schemeClr val="tx1">
+                    <a:lumMod val="95000"/>
+                    <a:lumOff val="5000"/>
+                  </a:schemeClr>
+                </a:solidFill>
+              </a:rPr>
+              <a:t>Ende Anmeldeschleife</a:t>
+            </a:r>
+            <a:endParaRPr lang="de-DE" sz="1200" dirty="0">
+              <a:solidFill>
+                <a:schemeClr val="tx1">
+                  <a:lumMod val="95000"/>
+                  <a:lumOff val="5000"/>
+                </a:schemeClr>
+              </a:solidFill>
+            </a:endParaRPr>
+          </a:p>
+        </p:txBody>
+      </p:sp>
+      <p:cxnSp>
+        <p:nvCxnSpPr>
+          <p:cNvPr id="33" name="Gerade Verbindung mit Pfeil 32"/>
+          <p:cNvCxnSpPr>
+            <a:stCxn id="24" idx="2"/>
+            <a:endCxn id="25" idx="0"/>
+          </p:cNvCxnSpPr>
+          <p:nvPr/>
+        </p:nvCxnSpPr>
+        <p:spPr>
+          <a:xfrm>
+            <a:off x="4391980" y="1910757"/>
+            <a:ext cx="0" cy="224352"/>
+          </a:xfrm>
+          <a:prstGeom prst="straightConnector1">
+            <a:avLst/>
+          </a:prstGeom>
+          <a:ln w="28575">
+            <a:solidFill>
+              <a:schemeClr val="tx1"/>
+            </a:solidFill>
+            <a:tailEnd type="arrow"/>
+          </a:ln>
+        </p:spPr>
+        <p:style>
+          <a:lnRef idx="1">
+            <a:schemeClr val="accent1"/>
+          </a:lnRef>
+          <a:fillRef idx="0">
+            <a:schemeClr val="accent1"/>
+          </a:fillRef>
+          <a:effectRef idx="0">
+            <a:schemeClr val="accent1"/>
+          </a:effectRef>
+          <a:fontRef idx="minor">
+            <a:schemeClr val="tx1"/>
+          </a:fontRef>
+        </p:style>
+      </p:cxnSp>
+      <p:cxnSp>
+        <p:nvCxnSpPr>
+          <p:cNvPr id="34" name="Gerade Verbindung mit Pfeil 33"/>
+          <p:cNvCxnSpPr>
+            <a:stCxn id="25" idx="2"/>
+            <a:endCxn id="26" idx="0"/>
+          </p:cNvCxnSpPr>
+          <p:nvPr/>
+        </p:nvCxnSpPr>
+        <p:spPr>
+          <a:xfrm>
+            <a:off x="4391980" y="2495149"/>
+            <a:ext cx="0" cy="208315"/>
+          </a:xfrm>
+          <a:prstGeom prst="straightConnector1">
+            <a:avLst/>
+          </a:prstGeom>
+          <a:ln w="28575">
+            <a:solidFill>
+              <a:schemeClr val="tx1"/>
+            </a:solidFill>
+            <a:tailEnd type="arrow"/>
+          </a:ln>
+        </p:spPr>
+        <p:style>
+          <a:lnRef idx="1">
+            <a:schemeClr val="accent1"/>
+          </a:lnRef>
+          <a:fillRef idx="0">
+            <a:schemeClr val="accent1"/>
+          </a:fillRef>
+          <a:effectRef idx="0">
+            <a:schemeClr val="accent1"/>
+          </a:effectRef>
+          <a:fontRef idx="minor">
+            <a:schemeClr val="tx1"/>
+          </a:fontRef>
+        </p:style>
+      </p:cxnSp>
+      <p:cxnSp>
+        <p:nvCxnSpPr>
+          <p:cNvPr id="35" name="Gerade Verbindung mit Pfeil 34"/>
+          <p:cNvCxnSpPr>
+            <a:stCxn id="26" idx="2"/>
+            <a:endCxn id="27" idx="0"/>
+          </p:cNvCxnSpPr>
+          <p:nvPr/>
+        </p:nvCxnSpPr>
+        <p:spPr>
+          <a:xfrm>
+            <a:off x="4391980" y="3333007"/>
+            <a:ext cx="0" cy="193699"/>
+          </a:xfrm>
+          <a:prstGeom prst="straightConnector1">
+            <a:avLst/>
+          </a:prstGeom>
+          <a:ln w="28575">
+            <a:solidFill>
+              <a:schemeClr val="tx1"/>
+            </a:solidFill>
+            <a:tailEnd type="arrow"/>
+          </a:ln>
+        </p:spPr>
+        <p:style>
+          <a:lnRef idx="1">
+            <a:schemeClr val="accent1"/>
+          </a:lnRef>
+          <a:fillRef idx="0">
+            <a:schemeClr val="accent1"/>
+          </a:fillRef>
+          <a:effectRef idx="0">
+            <a:schemeClr val="accent1"/>
+          </a:effectRef>
+          <a:fontRef idx="minor">
+            <a:schemeClr val="tx1"/>
+          </a:fontRef>
+        </p:style>
+      </p:cxnSp>
+      <p:cxnSp>
+        <p:nvCxnSpPr>
+          <p:cNvPr id="38" name="Gerade Verbindung mit Pfeil 37"/>
+          <p:cNvCxnSpPr>
+            <a:stCxn id="46" idx="2"/>
+            <a:endCxn id="29" idx="0"/>
+          </p:cNvCxnSpPr>
+          <p:nvPr/>
+        </p:nvCxnSpPr>
+        <p:spPr>
+          <a:xfrm>
+            <a:off x="4391980" y="5052603"/>
+            <a:ext cx="0" cy="254664"/>
+          </a:xfrm>
+          <a:prstGeom prst="straightConnector1">
+            <a:avLst/>
+          </a:prstGeom>
+          <a:ln w="28575">
+            <a:solidFill>
+              <a:schemeClr val="tx1"/>
+            </a:solidFill>
+            <a:tailEnd type="arrow"/>
+          </a:ln>
+        </p:spPr>
+        <p:style>
+          <a:lnRef idx="1">
+            <a:schemeClr val="accent1"/>
+          </a:lnRef>
+          <a:fillRef idx="0">
+            <a:schemeClr val="accent1"/>
+          </a:fillRef>
+          <a:effectRef idx="0">
+            <a:schemeClr val="accent1"/>
+          </a:effectRef>
+          <a:fontRef idx="minor">
+            <a:schemeClr val="tx1"/>
+          </a:fontRef>
+        </p:style>
+      </p:cxnSp>
+      <p:cxnSp>
+        <p:nvCxnSpPr>
+          <p:cNvPr id="41" name="Gerade Verbindung mit Pfeil 40"/>
+          <p:cNvCxnSpPr>
+            <a:stCxn id="29" idx="2"/>
+            <a:endCxn id="30" idx="0"/>
+          </p:cNvCxnSpPr>
+          <p:nvPr/>
+        </p:nvCxnSpPr>
+        <p:spPr>
+          <a:xfrm>
+            <a:off x="4391980" y="5936810"/>
+            <a:ext cx="0" cy="221253"/>
+          </a:xfrm>
+          <a:prstGeom prst="straightConnector1">
+            <a:avLst/>
+          </a:prstGeom>
+          <a:ln w="28575">
+            <a:solidFill>
+              <a:schemeClr val="tx1"/>
+            </a:solidFill>
+            <a:tailEnd type="arrow"/>
+          </a:ln>
+        </p:spPr>
+        <p:style>
+          <a:lnRef idx="1">
+            <a:schemeClr val="accent1"/>
+          </a:lnRef>
+          <a:fillRef idx="0">
+            <a:schemeClr val="accent1"/>
+          </a:fillRef>
+          <a:effectRef idx="0">
+            <a:schemeClr val="accent1"/>
+          </a:effectRef>
+          <a:fontRef idx="minor">
+            <a:schemeClr val="tx1"/>
+          </a:fontRef>
+        </p:style>
+      </p:cxnSp>
+      <p:sp>
+        <p:nvSpPr>
+          <p:cNvPr id="46" name="Rechteck 45"/>
+          <p:cNvSpPr/>
+          <p:nvPr/>
+        </p:nvSpPr>
+        <p:spPr>
+          <a:xfrm>
+            <a:off x="3563888" y="4423060"/>
+            <a:ext cx="1656184" cy="629543"/>
+          </a:xfrm>
+          <a:prstGeom prst="rect">
+            <a:avLst/>
+          </a:prstGeom>
+          <a:solidFill>
+            <a:schemeClr val="bg1"/>
+          </a:solidFill>
+          <a:ln>
+            <a:solidFill>
+              <a:schemeClr val="tx1"/>
+            </a:solidFill>
+            <a:prstDash val="dash"/>
+          </a:ln>
+        </p:spPr>
+        <p:style>
+          <a:lnRef idx="2">
+            <a:schemeClr val="accent1">
+              <a:shade val="50000"/>
+            </a:schemeClr>
+          </a:lnRef>
+          <a:fillRef idx="1">
+            <a:schemeClr val="accent1"/>
+          </a:fillRef>
+          <a:effectRef idx="0">
+            <a:schemeClr val="accent1"/>
+          </a:effectRef>
+          <a:fontRef idx="minor">
+            <a:schemeClr val="lt1"/>
+          </a:fontRef>
+        </p:style>
+        <p:txBody>
+          <a:bodyPr rtlCol="0" anchor="ctr"/>
+          <a:lstStyle/>
+          <a:p>
+            <a:pPr algn="ctr"/>
+            <a:r>
+              <a:rPr lang="de-DE" sz="1000" dirty="0" smtClean="0">
+                <a:solidFill>
+                  <a:schemeClr val="tx1"/>
+                </a:solidFill>
+              </a:rPr>
+              <a:t>Optional weitere Message auf Channel 113 … 118</a:t>
+            </a:r>
+          </a:p>
+        </p:txBody>
+      </p:sp>
+      <p:cxnSp>
+        <p:nvCxnSpPr>
+          <p:cNvPr id="48" name="Gerade Verbindung mit Pfeil 47"/>
+          <p:cNvCxnSpPr>
+            <a:stCxn id="27" idx="2"/>
+            <a:endCxn id="46" idx="0"/>
+          </p:cNvCxnSpPr>
+          <p:nvPr/>
+        </p:nvCxnSpPr>
+        <p:spPr>
+          <a:xfrm>
+            <a:off x="4391980" y="4156249"/>
+            <a:ext cx="0" cy="266811"/>
+          </a:xfrm>
+          <a:prstGeom prst="straightConnector1">
+            <a:avLst/>
+          </a:prstGeom>
+          <a:ln w="28575">
+            <a:solidFill>
+              <a:schemeClr val="tx1"/>
+            </a:solidFill>
+            <a:tailEnd type="arrow"/>
+          </a:ln>
+        </p:spPr>
+        <p:style>
+          <a:lnRef idx="1">
+            <a:schemeClr val="accent1"/>
+          </a:lnRef>
+          <a:fillRef idx="0">
+            <a:schemeClr val="accent1"/>
+          </a:fillRef>
+          <a:effectRef idx="0">
+            <a:schemeClr val="accent1"/>
+          </a:effectRef>
+          <a:fontRef idx="minor">
+            <a:schemeClr val="tx1"/>
+          </a:fontRef>
+        </p:style>
+      </p:cxnSp>
+      <p:sp>
+        <p:nvSpPr>
+          <p:cNvPr id="51" name="Textfeld 50"/>
+          <p:cNvSpPr txBox="1"/>
+          <p:nvPr/>
+        </p:nvSpPr>
+        <p:spPr>
+          <a:xfrm>
+            <a:off x="6012160" y="1622725"/>
+            <a:ext cx="1468607" cy="800219"/>
+          </a:xfrm>
+          <a:prstGeom prst="rect">
+            <a:avLst/>
+          </a:prstGeom>
+          <a:noFill/>
+        </p:spPr>
+        <p:txBody>
+          <a:bodyPr wrap="none" rtlCol="0">
+            <a:spAutoFit/>
+          </a:bodyPr>
+          <a:lstStyle/>
+          <a:p>
+            <a:r>
+              <a:rPr lang="de-DE" dirty="0" err="1" smtClean="0"/>
+              <a:t>Sleeptime</a:t>
+            </a:r>
+            <a:r>
+              <a:rPr lang="de-DE" dirty="0" smtClean="0"/>
+              <a:t>:</a:t>
+            </a:r>
+          </a:p>
+          <a:p>
+            <a:r>
+              <a:rPr lang="de-DE" sz="1400" dirty="0" smtClean="0"/>
+              <a:t>Minimum: 100</a:t>
+            </a:r>
+          </a:p>
+          <a:p>
+            <a:r>
+              <a:rPr lang="de-DE" sz="1400" dirty="0" smtClean="0"/>
+              <a:t>Maximum: 60000</a:t>
+            </a:r>
+            <a:endParaRPr lang="de-DE" sz="1400" dirty="0"/>
+          </a:p>
+        </p:txBody>
+      </p:sp>
+      <p:sp>
+        <p:nvSpPr>
+          <p:cNvPr id="52" name="Textfeld 51"/>
+          <p:cNvSpPr txBox="1"/>
+          <p:nvPr/>
+        </p:nvSpPr>
+        <p:spPr>
+          <a:xfrm>
+            <a:off x="6084168" y="2703464"/>
+            <a:ext cx="1322798" cy="646331"/>
+          </a:xfrm>
+          <a:prstGeom prst="rect">
+            <a:avLst/>
+          </a:prstGeom>
+          <a:noFill/>
+        </p:spPr>
+        <p:txBody>
+          <a:bodyPr wrap="none" rtlCol="0">
+            <a:spAutoFit/>
+          </a:bodyPr>
+          <a:lstStyle/>
+          <a:p>
+            <a:r>
+              <a:rPr lang="de-DE" smtClean="0"/>
+              <a:t>Radiomode:</a:t>
+            </a:r>
+          </a:p>
+          <a:p>
+            <a:endParaRPr lang="de-DE"/>
+          </a:p>
+        </p:txBody>
+      </p:sp>
+    </p:spTree>
+    <p:extLst>
+      <p:ext uri="{BB962C8B-B14F-4D97-AF65-F5344CB8AC3E}">
+        <p14:creationId xmlns:p14="http://schemas.microsoft.com/office/powerpoint/2010/main" val="3183716981"/>
       </p:ext>
     </p:extLst>
   </p:cSld>
